--- a/Visualisations/Interaction_diagramv3.pptx
+++ b/Visualisations/Interaction_diagramv3.pptx
@@ -243,7 +243,7 @@
           <a:p>
             <a:fld id="{C85144DE-560A-46E8-8926-C4F4797BEAE9}" type="datetimeFigureOut">
               <a:rPr lang="en-GB" smtClean="0"/>
-              <a:t>12/08/2020</a:t>
+              <a:t>19/08/2020</a:t>
             </a:fld>
             <a:endParaRPr lang="en-GB"/>
           </a:p>
@@ -413,7 +413,7 @@
           <a:p>
             <a:fld id="{C85144DE-560A-46E8-8926-C4F4797BEAE9}" type="datetimeFigureOut">
               <a:rPr lang="en-GB" smtClean="0"/>
-              <a:t>12/08/2020</a:t>
+              <a:t>19/08/2020</a:t>
             </a:fld>
             <a:endParaRPr lang="en-GB"/>
           </a:p>
@@ -593,7 +593,7 @@
           <a:p>
             <a:fld id="{C85144DE-560A-46E8-8926-C4F4797BEAE9}" type="datetimeFigureOut">
               <a:rPr lang="en-GB" smtClean="0"/>
-              <a:t>12/08/2020</a:t>
+              <a:t>19/08/2020</a:t>
             </a:fld>
             <a:endParaRPr lang="en-GB"/>
           </a:p>
@@ -763,7 +763,7 @@
           <a:p>
             <a:fld id="{C85144DE-560A-46E8-8926-C4F4797BEAE9}" type="datetimeFigureOut">
               <a:rPr lang="en-GB" smtClean="0"/>
-              <a:t>12/08/2020</a:t>
+              <a:t>19/08/2020</a:t>
             </a:fld>
             <a:endParaRPr lang="en-GB"/>
           </a:p>
@@ -1007,7 +1007,7 @@
           <a:p>
             <a:fld id="{C85144DE-560A-46E8-8926-C4F4797BEAE9}" type="datetimeFigureOut">
               <a:rPr lang="en-GB" smtClean="0"/>
-              <a:t>12/08/2020</a:t>
+              <a:t>19/08/2020</a:t>
             </a:fld>
             <a:endParaRPr lang="en-GB"/>
           </a:p>
@@ -1239,7 +1239,7 @@
           <a:p>
             <a:fld id="{C85144DE-560A-46E8-8926-C4F4797BEAE9}" type="datetimeFigureOut">
               <a:rPr lang="en-GB" smtClean="0"/>
-              <a:t>12/08/2020</a:t>
+              <a:t>19/08/2020</a:t>
             </a:fld>
             <a:endParaRPr lang="en-GB"/>
           </a:p>
@@ -1606,7 +1606,7 @@
           <a:p>
             <a:fld id="{C85144DE-560A-46E8-8926-C4F4797BEAE9}" type="datetimeFigureOut">
               <a:rPr lang="en-GB" smtClean="0"/>
-              <a:t>12/08/2020</a:t>
+              <a:t>19/08/2020</a:t>
             </a:fld>
             <a:endParaRPr lang="en-GB"/>
           </a:p>
@@ -1724,7 +1724,7 @@
           <a:p>
             <a:fld id="{C85144DE-560A-46E8-8926-C4F4797BEAE9}" type="datetimeFigureOut">
               <a:rPr lang="en-GB" smtClean="0"/>
-              <a:t>12/08/2020</a:t>
+              <a:t>19/08/2020</a:t>
             </a:fld>
             <a:endParaRPr lang="en-GB"/>
           </a:p>
@@ -1819,7 +1819,7 @@
           <a:p>
             <a:fld id="{C85144DE-560A-46E8-8926-C4F4797BEAE9}" type="datetimeFigureOut">
               <a:rPr lang="en-GB" smtClean="0"/>
-              <a:t>12/08/2020</a:t>
+              <a:t>19/08/2020</a:t>
             </a:fld>
             <a:endParaRPr lang="en-GB"/>
           </a:p>
@@ -2096,7 +2096,7 @@
           <a:p>
             <a:fld id="{C85144DE-560A-46E8-8926-C4F4797BEAE9}" type="datetimeFigureOut">
               <a:rPr lang="en-GB" smtClean="0"/>
-              <a:t>12/08/2020</a:t>
+              <a:t>19/08/2020</a:t>
             </a:fld>
             <a:endParaRPr lang="en-GB"/>
           </a:p>
@@ -2353,7 +2353,7 @@
           <a:p>
             <a:fld id="{C85144DE-560A-46E8-8926-C4F4797BEAE9}" type="datetimeFigureOut">
               <a:rPr lang="en-GB" smtClean="0"/>
-              <a:t>12/08/2020</a:t>
+              <a:t>19/08/2020</a:t>
             </a:fld>
             <a:endParaRPr lang="en-GB"/>
           </a:p>
@@ -2566,7 +2566,7 @@
           <a:p>
             <a:fld id="{C85144DE-560A-46E8-8926-C4F4797BEAE9}" type="datetimeFigureOut">
               <a:rPr lang="en-GB" smtClean="0"/>
-              <a:t>12/08/2020</a:t>
+              <a:t>19/08/2020</a:t>
             </a:fld>
             <a:endParaRPr lang="en-GB"/>
           </a:p>
@@ -2971,6 +2971,52 @@
           <a:chExt cx="0" cy="0"/>
         </a:xfrm>
       </p:grpSpPr>
+      <p:sp>
+        <p:nvSpPr>
+          <p:cNvPr id="109" name="Rectangle 108">
+            <a:extLst>
+              <a:ext uri="{FF2B5EF4-FFF2-40B4-BE49-F238E27FC236}">
+                <a16:creationId xmlns:a16="http://schemas.microsoft.com/office/drawing/2014/main" id="{F5F49C06-7E04-4FCF-9D02-EF1CBF581FF4}"/>
+              </a:ext>
+            </a:extLst>
+          </p:cNvPr>
+          <p:cNvSpPr/>
+          <p:nvPr/>
+        </p:nvSpPr>
+        <p:spPr>
+          <a:xfrm>
+            <a:off x="4827459" y="1180407"/>
+            <a:ext cx="322406" cy="413896"/>
+          </a:xfrm>
+          <a:prstGeom prst="rect">
+            <a:avLst/>
+          </a:prstGeom>
+        </p:spPr>
+        <p:txBody>
+          <a:bodyPr wrap="square">
+            <a:spAutoFit/>
+          </a:bodyPr>
+          <a:lstStyle/>
+          <a:p>
+            <a:pPr>
+              <a:lnSpc>
+                <a:spcPct val="114000"/>
+              </a:lnSpc>
+            </a:pPr>
+            <a:r>
+              <a:rPr lang="en-US" sz="2000" dirty="0" smtClean="0">
+                <a:latin typeface="Arial" panose="020B0604020202020204" pitchFamily="34" charset="0"/>
+                <a:cs typeface="Arial" panose="020B0604020202020204" pitchFamily="34" charset="0"/>
+              </a:rPr>
+              <a:t>-</a:t>
+            </a:r>
+            <a:endParaRPr lang="en-GB" sz="2800" dirty="0">
+              <a:latin typeface="Arial" panose="020B0604020202020204" pitchFamily="34" charset="0"/>
+              <a:cs typeface="Arial" panose="020B0604020202020204" pitchFamily="34" charset="0"/>
+            </a:endParaRPr>
+          </a:p>
+        </p:txBody>
+      </p:sp>
       <p:cxnSp>
         <p:nvCxnSpPr>
           <p:cNvPr id="100" name="Straight Connector 99"/>
@@ -3893,14 +3939,7 @@
                 <a:latin typeface="Arial" panose="020B0604020202020204" pitchFamily="34" charset="0"/>
                 <a:cs typeface="Arial" panose="020B0604020202020204" pitchFamily="34" charset="0"/>
               </a:rPr>
-              <a:t>: competitive and cooperative behavioural phenotype, genetic relatedness, </a:t>
-            </a:r>
-            <a:r>
-              <a:rPr lang="en-GB" sz="1100" i="1" dirty="0" smtClean="0">
-                <a:latin typeface="Arial" panose="020B0604020202020204" pitchFamily="34" charset="0"/>
-                <a:cs typeface="Arial" panose="020B0604020202020204" pitchFamily="34" charset="0"/>
-              </a:rPr>
-              <a:t>resource use, hormonal variation</a:t>
+              <a:t>: competitive and cooperative behavioural phenotype, genetic relatedness, resource use, hormonal variation</a:t>
             </a:r>
             <a:endParaRPr lang="en-GB" sz="1100" i="1" dirty="0">
               <a:latin typeface="Arial" panose="020B0604020202020204" pitchFamily="34" charset="0"/>
@@ -3949,14 +3988,7 @@
                 <a:latin typeface="Arial" panose="020B0604020202020204" pitchFamily="34" charset="0"/>
                 <a:cs typeface="Arial" panose="020B0604020202020204" pitchFamily="34" charset="0"/>
               </a:rPr>
-              <a:t>Types of interacting organisms: Any two species with some degree of control over a shared </a:t>
-            </a:r>
-            <a:r>
-              <a:rPr lang="en-US" sz="1100" i="1" dirty="0" smtClean="0">
-                <a:latin typeface="Arial" panose="020B0604020202020204" pitchFamily="34" charset="0"/>
-                <a:cs typeface="Arial" panose="020B0604020202020204" pitchFamily="34" charset="0"/>
-              </a:rPr>
-              <a:t>resource</a:t>
+              <a:t>Types of interacting organisms: Any two species with some degree of control over a shared resource</a:t>
             </a:r>
           </a:p>
           <a:p>
@@ -4345,7 +4377,14 @@
                 <a:latin typeface="Arial" panose="020B0604020202020204" pitchFamily="34" charset="0"/>
                 <a:cs typeface="Arial" panose="020B0604020202020204" pitchFamily="34" charset="0"/>
               </a:rPr>
-              <a:t>mutualism 				</a:t>
+              <a:t>mutualism </a:t>
+            </a:r>
+            <a:r>
+              <a:rPr lang="en-US" sz="1000" i="1" dirty="0" smtClean="0">
+                <a:latin typeface="Arial" panose="020B0604020202020204" pitchFamily="34" charset="0"/>
+                <a:cs typeface="Arial" panose="020B0604020202020204" pitchFamily="34" charset="0"/>
+              </a:rPr>
+              <a:t>				</a:t>
             </a:r>
             <a:r>
               <a:rPr lang="en-US" sz="1000" i="1" dirty="0">
@@ -4359,14 +4398,7 @@
                 <a:latin typeface="Arial" panose="020B0604020202020204" pitchFamily="34" charset="0"/>
                 <a:cs typeface="Arial" panose="020B0604020202020204" pitchFamily="34" charset="0"/>
               </a:rPr>
-              <a:t>                     </a:t>
-            </a:r>
-            <a:r>
-              <a:rPr lang="en-US" sz="1000" i="1" dirty="0" smtClean="0">
-                <a:latin typeface="Arial" panose="020B0604020202020204" pitchFamily="34" charset="0"/>
-                <a:cs typeface="Arial" panose="020B0604020202020204" pitchFamily="34" charset="0"/>
-              </a:rPr>
-              <a:t>antagonism</a:t>
+              <a:t>                     antagonism</a:t>
             </a:r>
             <a:endParaRPr lang="en-US" sz="1000" i="1" dirty="0">
               <a:latin typeface="Arial" panose="020B0604020202020204" pitchFamily="34" charset="0"/>
@@ -4420,7 +4452,7 @@
         </p:nvCxnSpPr>
         <p:spPr>
           <a:xfrm flipV="1">
-            <a:off x="988521" y="1488506"/>
+            <a:off x="983441" y="1488506"/>
             <a:ext cx="3915641" cy="3947"/>
           </a:xfrm>
           <a:prstGeom prst="straightConnector1">
@@ -4451,52 +4483,6 @@
       </p:cxnSp>
       <p:sp>
         <p:nvSpPr>
-          <p:cNvPr id="70" name="Rectangle 69">
-            <a:extLst>
-              <a:ext uri="{FF2B5EF4-FFF2-40B4-BE49-F238E27FC236}">
-                <a16:creationId xmlns:a16="http://schemas.microsoft.com/office/drawing/2014/main" id="{F5F49C06-7E04-4FCF-9D02-EF1CBF581FF4}"/>
-              </a:ext>
-            </a:extLst>
-          </p:cNvPr>
-          <p:cNvSpPr/>
-          <p:nvPr/>
-        </p:nvSpPr>
-        <p:spPr>
-          <a:xfrm>
-            <a:off x="717146" y="1157001"/>
-            <a:ext cx="322406" cy="408125"/>
-          </a:xfrm>
-          <a:prstGeom prst="rect">
-            <a:avLst/>
-          </a:prstGeom>
-        </p:spPr>
-        <p:txBody>
-          <a:bodyPr wrap="square">
-            <a:spAutoFit/>
-          </a:bodyPr>
-          <a:lstStyle/>
-          <a:p>
-            <a:pPr>
-              <a:lnSpc>
-                <a:spcPct val="114000"/>
-              </a:lnSpc>
-            </a:pPr>
-            <a:r>
-              <a:rPr lang="en-GB" dirty="0" smtClean="0">
-                <a:latin typeface="Arial" panose="020B0604020202020204" pitchFamily="34" charset="0"/>
-                <a:cs typeface="Arial" panose="020B0604020202020204" pitchFamily="34" charset="0"/>
-              </a:rPr>
-              <a:t>+</a:t>
-            </a:r>
-            <a:endParaRPr lang="en-GB" sz="2400" dirty="0">
-              <a:latin typeface="Arial" panose="020B0604020202020204" pitchFamily="34" charset="0"/>
-              <a:cs typeface="Arial" panose="020B0604020202020204" pitchFamily="34" charset="0"/>
-            </a:endParaRPr>
-          </a:p>
-        </p:txBody>
-      </p:sp>
-      <p:sp>
-        <p:nvSpPr>
           <p:cNvPr id="71" name="Rectangle 70">
             <a:extLst>
               <a:ext uri="{FF2B5EF4-FFF2-40B4-BE49-F238E27FC236}">
@@ -4509,8 +4495,8 @@
         </p:nvSpPr>
         <p:spPr>
           <a:xfrm>
-            <a:off x="716074" y="1292646"/>
-            <a:ext cx="322406" cy="408125"/>
+            <a:off x="754898" y="1231839"/>
+            <a:ext cx="308687" cy="408125"/>
           </a:xfrm>
           <a:prstGeom prst="rect">
             <a:avLst/>
@@ -4533,52 +4519,6 @@
                 <a:cs typeface="Arial" panose="020B0604020202020204" pitchFamily="34" charset="0"/>
               </a:rPr>
               <a:t>+</a:t>
-            </a:r>
-            <a:endParaRPr lang="en-GB" sz="2400" dirty="0">
-              <a:latin typeface="Arial" panose="020B0604020202020204" pitchFamily="34" charset="0"/>
-              <a:cs typeface="Arial" panose="020B0604020202020204" pitchFamily="34" charset="0"/>
-            </a:endParaRPr>
-          </a:p>
-        </p:txBody>
-      </p:sp>
-      <p:sp>
-        <p:nvSpPr>
-          <p:cNvPr id="72" name="Rectangle 71">
-            <a:extLst>
-              <a:ext uri="{FF2B5EF4-FFF2-40B4-BE49-F238E27FC236}">
-                <a16:creationId xmlns:a16="http://schemas.microsoft.com/office/drawing/2014/main" id="{F5F49C06-7E04-4FCF-9D02-EF1CBF581FF4}"/>
-              </a:ext>
-            </a:extLst>
-          </p:cNvPr>
-          <p:cNvSpPr/>
-          <p:nvPr/>
-        </p:nvSpPr>
-        <p:spPr>
-          <a:xfrm>
-            <a:off x="4843415" y="1137926"/>
-            <a:ext cx="322406" cy="408125"/>
-          </a:xfrm>
-          <a:prstGeom prst="rect">
-            <a:avLst/>
-          </a:prstGeom>
-        </p:spPr>
-        <p:txBody>
-          <a:bodyPr wrap="square">
-            <a:spAutoFit/>
-          </a:bodyPr>
-          <a:lstStyle/>
-          <a:p>
-            <a:pPr>
-              <a:lnSpc>
-                <a:spcPct val="114000"/>
-              </a:lnSpc>
-            </a:pPr>
-            <a:r>
-              <a:rPr lang="en-US" dirty="0">
-                <a:latin typeface="Arial" panose="020B0604020202020204" pitchFamily="34" charset="0"/>
-                <a:cs typeface="Arial" panose="020B0604020202020204" pitchFamily="34" charset="0"/>
-              </a:rPr>
-              <a:t>-</a:t>
             </a:r>
             <a:endParaRPr lang="en-GB" sz="2400" dirty="0">
               <a:latin typeface="Arial" panose="020B0604020202020204" pitchFamily="34" charset="0"/>
@@ -4627,14 +4567,7 @@
                 <a:latin typeface="Arial" panose="020B0604020202020204" pitchFamily="34" charset="0"/>
                 <a:cs typeface="Arial" panose="020B0604020202020204" pitchFamily="34" charset="0"/>
               </a:rPr>
-              <a:t>Types of interacting organisms: </a:t>
-            </a:r>
-            <a:r>
-              <a:rPr lang="en-US" sz="1100" i="1" dirty="0" smtClean="0">
-                <a:latin typeface="Arial" panose="020B0604020202020204" pitchFamily="34" charset="0"/>
-                <a:cs typeface="Arial" panose="020B0604020202020204" pitchFamily="34" charset="0"/>
-              </a:rPr>
-              <a:t>host species and their </a:t>
+              <a:t>Types of interacting organisms: host species and their </a:t>
             </a:r>
             <a:r>
               <a:rPr lang="en-US" sz="1100" i="1" dirty="0" err="1" smtClean="0">
@@ -4703,52 +4636,6 @@
               <a:t>dependence, protective effects against pathogens/predators/parasites, exploiting or cheating behavioural phenotypes</a:t>
             </a:r>
             <a:endParaRPr lang="en-GB" sz="1100" i="1" dirty="0">
-              <a:latin typeface="Arial" panose="020B0604020202020204" pitchFamily="34" charset="0"/>
-              <a:cs typeface="Arial" panose="020B0604020202020204" pitchFamily="34" charset="0"/>
-            </a:endParaRPr>
-          </a:p>
-        </p:txBody>
-      </p:sp>
-      <p:sp>
-        <p:nvSpPr>
-          <p:cNvPr id="109" name="Rectangle 108">
-            <a:extLst>
-              <a:ext uri="{FF2B5EF4-FFF2-40B4-BE49-F238E27FC236}">
-                <a16:creationId xmlns:a16="http://schemas.microsoft.com/office/drawing/2014/main" id="{F5F49C06-7E04-4FCF-9D02-EF1CBF581FF4}"/>
-              </a:ext>
-            </a:extLst>
-          </p:cNvPr>
-          <p:cNvSpPr/>
-          <p:nvPr/>
-        </p:nvSpPr>
-        <p:spPr>
-          <a:xfrm>
-            <a:off x="4843415" y="1268991"/>
-            <a:ext cx="322406" cy="408125"/>
-          </a:xfrm>
-          <a:prstGeom prst="rect">
-            <a:avLst/>
-          </a:prstGeom>
-        </p:spPr>
-        <p:txBody>
-          <a:bodyPr wrap="square">
-            <a:spAutoFit/>
-          </a:bodyPr>
-          <a:lstStyle/>
-          <a:p>
-            <a:pPr>
-              <a:lnSpc>
-                <a:spcPct val="114000"/>
-              </a:lnSpc>
-            </a:pPr>
-            <a:r>
-              <a:rPr lang="en-US" dirty="0">
-                <a:latin typeface="Arial" panose="020B0604020202020204" pitchFamily="34" charset="0"/>
-                <a:cs typeface="Arial" panose="020B0604020202020204" pitchFamily="34" charset="0"/>
-              </a:rPr>
-              <a:t>-</a:t>
-            </a:r>
-            <a:endParaRPr lang="en-GB" sz="2400" dirty="0">
               <a:latin typeface="Arial" panose="020B0604020202020204" pitchFamily="34" charset="0"/>
               <a:cs typeface="Arial" panose="020B0604020202020204" pitchFamily="34" charset="0"/>
             </a:endParaRPr>
@@ -4809,14 +4696,7 @@
                 <a:latin typeface="Arial" panose="020B0604020202020204" pitchFamily="34" charset="0"/>
                 <a:cs typeface="Arial" panose="020B0604020202020204" pitchFamily="34" charset="0"/>
               </a:rPr>
-              <a:t>                       </a:t>
-            </a:r>
-            <a:r>
-              <a:rPr lang="en-US" sz="1000" i="1" dirty="0" smtClean="0">
-                <a:latin typeface="Arial" panose="020B0604020202020204" pitchFamily="34" charset="0"/>
-                <a:cs typeface="Arial" panose="020B0604020202020204" pitchFamily="34" charset="0"/>
-              </a:rPr>
-              <a:t>parasitism</a:t>
+              <a:t>                       parasitism</a:t>
             </a:r>
             <a:endParaRPr lang="en-US" sz="1000" i="1" dirty="0">
               <a:latin typeface="Arial" panose="020B0604020202020204" pitchFamily="34" charset="0"/>
@@ -4901,52 +4781,6 @@
       </p:cxnSp>
       <p:sp>
         <p:nvSpPr>
-          <p:cNvPr id="116" name="Rectangle 115">
-            <a:extLst>
-              <a:ext uri="{FF2B5EF4-FFF2-40B4-BE49-F238E27FC236}">
-                <a16:creationId xmlns:a16="http://schemas.microsoft.com/office/drawing/2014/main" id="{F5F49C06-7E04-4FCF-9D02-EF1CBF581FF4}"/>
-              </a:ext>
-            </a:extLst>
-          </p:cNvPr>
-          <p:cNvSpPr/>
-          <p:nvPr/>
-        </p:nvSpPr>
-        <p:spPr>
-          <a:xfrm>
-            <a:off x="726190" y="3146967"/>
-            <a:ext cx="322406" cy="408125"/>
-          </a:xfrm>
-          <a:prstGeom prst="rect">
-            <a:avLst/>
-          </a:prstGeom>
-        </p:spPr>
-        <p:txBody>
-          <a:bodyPr wrap="square">
-            <a:spAutoFit/>
-          </a:bodyPr>
-          <a:lstStyle/>
-          <a:p>
-            <a:pPr>
-              <a:lnSpc>
-                <a:spcPct val="114000"/>
-              </a:lnSpc>
-            </a:pPr>
-            <a:r>
-              <a:rPr lang="en-GB" dirty="0" smtClean="0">
-                <a:latin typeface="Arial" panose="020B0604020202020204" pitchFamily="34" charset="0"/>
-                <a:cs typeface="Arial" panose="020B0604020202020204" pitchFamily="34" charset="0"/>
-              </a:rPr>
-              <a:t>+</a:t>
-            </a:r>
-            <a:endParaRPr lang="en-GB" sz="2400" dirty="0">
-              <a:latin typeface="Arial" panose="020B0604020202020204" pitchFamily="34" charset="0"/>
-              <a:cs typeface="Arial" panose="020B0604020202020204" pitchFamily="34" charset="0"/>
-            </a:endParaRPr>
-          </a:p>
-        </p:txBody>
-      </p:sp>
-      <p:sp>
-        <p:nvSpPr>
           <p:cNvPr id="127" name="Rectangle 126">
             <a:extLst>
               <a:ext uri="{FF2B5EF4-FFF2-40B4-BE49-F238E27FC236}">
@@ -4959,8 +4793,8 @@
         </p:nvSpPr>
         <p:spPr>
           <a:xfrm>
-            <a:off x="725118" y="3282612"/>
-            <a:ext cx="322406" cy="408125"/>
+            <a:off x="765032" y="3199878"/>
+            <a:ext cx="322406" cy="413896"/>
           </a:xfrm>
           <a:prstGeom prst="rect">
             <a:avLst/>
@@ -4978,59 +4812,13 @@
               </a:lnSpc>
             </a:pPr>
             <a:r>
-              <a:rPr lang="en-GB" dirty="0">
+              <a:rPr lang="en-GB" sz="2000" dirty="0">
                 <a:latin typeface="Arial" panose="020B0604020202020204" pitchFamily="34" charset="0"/>
                 <a:cs typeface="Arial" panose="020B0604020202020204" pitchFamily="34" charset="0"/>
               </a:rPr>
               <a:t>+</a:t>
             </a:r>
-            <a:endParaRPr lang="en-GB" sz="2400" dirty="0">
-              <a:latin typeface="Arial" panose="020B0604020202020204" pitchFamily="34" charset="0"/>
-              <a:cs typeface="Arial" panose="020B0604020202020204" pitchFamily="34" charset="0"/>
-            </a:endParaRPr>
-          </a:p>
-        </p:txBody>
-      </p:sp>
-      <p:sp>
-        <p:nvSpPr>
-          <p:cNvPr id="128" name="Rectangle 127">
-            <a:extLst>
-              <a:ext uri="{FF2B5EF4-FFF2-40B4-BE49-F238E27FC236}">
-                <a16:creationId xmlns:a16="http://schemas.microsoft.com/office/drawing/2014/main" id="{F5F49C06-7E04-4FCF-9D02-EF1CBF581FF4}"/>
-              </a:ext>
-            </a:extLst>
-          </p:cNvPr>
-          <p:cNvSpPr/>
-          <p:nvPr/>
-        </p:nvSpPr>
-        <p:spPr>
-          <a:xfrm>
-            <a:off x="4852459" y="3127892"/>
-            <a:ext cx="322406" cy="408125"/>
-          </a:xfrm>
-          <a:prstGeom prst="rect">
-            <a:avLst/>
-          </a:prstGeom>
-        </p:spPr>
-        <p:txBody>
-          <a:bodyPr wrap="square">
-            <a:spAutoFit/>
-          </a:bodyPr>
-          <a:lstStyle/>
-          <a:p>
-            <a:pPr>
-              <a:lnSpc>
-                <a:spcPct val="114000"/>
-              </a:lnSpc>
-            </a:pPr>
-            <a:r>
-              <a:rPr lang="en-US" dirty="0">
-                <a:latin typeface="Arial" panose="020B0604020202020204" pitchFamily="34" charset="0"/>
-                <a:cs typeface="Arial" panose="020B0604020202020204" pitchFamily="34" charset="0"/>
-              </a:rPr>
-              <a:t>-</a:t>
-            </a:r>
-            <a:endParaRPr lang="en-GB" sz="2400" dirty="0">
+            <a:endParaRPr lang="en-GB" sz="2800" dirty="0">
               <a:latin typeface="Arial" panose="020B0604020202020204" pitchFamily="34" charset="0"/>
               <a:cs typeface="Arial" panose="020B0604020202020204" pitchFamily="34" charset="0"/>
             </a:endParaRPr>
@@ -5051,8 +4839,8 @@
         </p:nvSpPr>
         <p:spPr>
           <a:xfrm>
-            <a:off x="4852459" y="3258957"/>
-            <a:ext cx="322406" cy="408125"/>
+            <a:off x="4836503" y="3170373"/>
+            <a:ext cx="322406" cy="413896"/>
           </a:xfrm>
           <a:prstGeom prst="rect">
             <a:avLst/>
@@ -5070,13 +4858,13 @@
               </a:lnSpc>
             </a:pPr>
             <a:r>
-              <a:rPr lang="en-US" dirty="0">
+              <a:rPr lang="en-US" sz="2000" dirty="0" smtClean="0">
                 <a:latin typeface="Arial" panose="020B0604020202020204" pitchFamily="34" charset="0"/>
                 <a:cs typeface="Arial" panose="020B0604020202020204" pitchFamily="34" charset="0"/>
               </a:rPr>
               <a:t>-</a:t>
             </a:r>
-            <a:endParaRPr lang="en-GB" sz="2400" dirty="0">
+            <a:endParaRPr lang="en-GB" sz="2800" dirty="0">
               <a:latin typeface="Arial" panose="020B0604020202020204" pitchFamily="34" charset="0"/>
               <a:cs typeface="Arial" panose="020B0604020202020204" pitchFamily="34" charset="0"/>
             </a:endParaRPr>
@@ -5137,14 +4925,7 @@
                 <a:latin typeface="Arial" panose="020B0604020202020204" pitchFamily="34" charset="0"/>
                 <a:cs typeface="Arial" panose="020B0604020202020204" pitchFamily="34" charset="0"/>
               </a:rPr>
-              <a:t>          </a:t>
-            </a:r>
-            <a:r>
-              <a:rPr lang="en-US" sz="1000" i="1" dirty="0" smtClean="0">
-                <a:latin typeface="Arial" panose="020B0604020202020204" pitchFamily="34" charset="0"/>
-                <a:cs typeface="Arial" panose="020B0604020202020204" pitchFamily="34" charset="0"/>
-              </a:rPr>
-              <a:t>competition/conflict</a:t>
+              <a:t>          competition/conflict</a:t>
             </a:r>
             <a:endParaRPr lang="en-US" sz="1000" i="1" dirty="0">
               <a:latin typeface="Arial" panose="020B0604020202020204" pitchFamily="34" charset="0"/>
@@ -5198,7 +4979,7 @@
         </p:nvCxnSpPr>
         <p:spPr>
           <a:xfrm flipV="1">
-            <a:off x="1013658" y="5949033"/>
+            <a:off x="1008578" y="5949033"/>
             <a:ext cx="3915641" cy="3947"/>
           </a:xfrm>
           <a:prstGeom prst="straightConnector1">
@@ -5229,52 +5010,6 @@
       </p:cxnSp>
       <p:sp>
         <p:nvSpPr>
-          <p:cNvPr id="133" name="Rectangle 132">
-            <a:extLst>
-              <a:ext uri="{FF2B5EF4-FFF2-40B4-BE49-F238E27FC236}">
-                <a16:creationId xmlns:a16="http://schemas.microsoft.com/office/drawing/2014/main" id="{F5F49C06-7E04-4FCF-9D02-EF1CBF581FF4}"/>
-              </a:ext>
-            </a:extLst>
-          </p:cNvPr>
-          <p:cNvSpPr/>
-          <p:nvPr/>
-        </p:nvSpPr>
-        <p:spPr>
-          <a:xfrm>
-            <a:off x="742283" y="5617528"/>
-            <a:ext cx="322406" cy="408125"/>
-          </a:xfrm>
-          <a:prstGeom prst="rect">
-            <a:avLst/>
-          </a:prstGeom>
-        </p:spPr>
-        <p:txBody>
-          <a:bodyPr wrap="square">
-            <a:spAutoFit/>
-          </a:bodyPr>
-          <a:lstStyle/>
-          <a:p>
-            <a:pPr>
-              <a:lnSpc>
-                <a:spcPct val="114000"/>
-              </a:lnSpc>
-            </a:pPr>
-            <a:r>
-              <a:rPr lang="en-GB" dirty="0" smtClean="0">
-                <a:latin typeface="Arial" panose="020B0604020202020204" pitchFamily="34" charset="0"/>
-                <a:cs typeface="Arial" panose="020B0604020202020204" pitchFamily="34" charset="0"/>
-              </a:rPr>
-              <a:t>+</a:t>
-            </a:r>
-            <a:endParaRPr lang="en-GB" sz="2400" dirty="0">
-              <a:latin typeface="Arial" panose="020B0604020202020204" pitchFamily="34" charset="0"/>
-              <a:cs typeface="Arial" panose="020B0604020202020204" pitchFamily="34" charset="0"/>
-            </a:endParaRPr>
-          </a:p>
-        </p:txBody>
-      </p:sp>
-      <p:sp>
-        <p:nvSpPr>
           <p:cNvPr id="134" name="Rectangle 133">
             <a:extLst>
               <a:ext uri="{FF2B5EF4-FFF2-40B4-BE49-F238E27FC236}">
@@ -5287,8 +5022,8 @@
         </p:nvSpPr>
         <p:spPr>
           <a:xfrm>
-            <a:off x="741211" y="5753173"/>
-            <a:ext cx="322406" cy="408125"/>
+            <a:off x="781125" y="5670439"/>
+            <a:ext cx="322406" cy="413896"/>
           </a:xfrm>
           <a:prstGeom prst="rect">
             <a:avLst/>
@@ -5306,59 +5041,13 @@
               </a:lnSpc>
             </a:pPr>
             <a:r>
-              <a:rPr lang="en-GB" dirty="0">
+              <a:rPr lang="en-GB" sz="2000" dirty="0">
                 <a:latin typeface="Arial" panose="020B0604020202020204" pitchFamily="34" charset="0"/>
                 <a:cs typeface="Arial" panose="020B0604020202020204" pitchFamily="34" charset="0"/>
               </a:rPr>
               <a:t>+</a:t>
             </a:r>
-            <a:endParaRPr lang="en-GB" sz="2400" dirty="0">
-              <a:latin typeface="Arial" panose="020B0604020202020204" pitchFamily="34" charset="0"/>
-              <a:cs typeface="Arial" panose="020B0604020202020204" pitchFamily="34" charset="0"/>
-            </a:endParaRPr>
-          </a:p>
-        </p:txBody>
-      </p:sp>
-      <p:sp>
-        <p:nvSpPr>
-          <p:cNvPr id="135" name="Rectangle 134">
-            <a:extLst>
-              <a:ext uri="{FF2B5EF4-FFF2-40B4-BE49-F238E27FC236}">
-                <a16:creationId xmlns:a16="http://schemas.microsoft.com/office/drawing/2014/main" id="{F5F49C06-7E04-4FCF-9D02-EF1CBF581FF4}"/>
-              </a:ext>
-            </a:extLst>
-          </p:cNvPr>
-          <p:cNvSpPr/>
-          <p:nvPr/>
-        </p:nvSpPr>
-        <p:spPr>
-          <a:xfrm>
-            <a:off x="4868552" y="5598453"/>
-            <a:ext cx="322406" cy="408125"/>
-          </a:xfrm>
-          <a:prstGeom prst="rect">
-            <a:avLst/>
-          </a:prstGeom>
-        </p:spPr>
-        <p:txBody>
-          <a:bodyPr wrap="square">
-            <a:spAutoFit/>
-          </a:bodyPr>
-          <a:lstStyle/>
-          <a:p>
-            <a:pPr>
-              <a:lnSpc>
-                <a:spcPct val="114000"/>
-              </a:lnSpc>
-            </a:pPr>
-            <a:r>
-              <a:rPr lang="en-US" dirty="0">
-                <a:latin typeface="Arial" panose="020B0604020202020204" pitchFamily="34" charset="0"/>
-                <a:cs typeface="Arial" panose="020B0604020202020204" pitchFamily="34" charset="0"/>
-              </a:rPr>
-              <a:t>-</a:t>
-            </a:r>
-            <a:endParaRPr lang="en-GB" sz="2400" dirty="0">
+            <a:endParaRPr lang="en-GB" sz="2800" dirty="0">
               <a:latin typeface="Arial" panose="020B0604020202020204" pitchFamily="34" charset="0"/>
               <a:cs typeface="Arial" panose="020B0604020202020204" pitchFamily="34" charset="0"/>
             </a:endParaRPr>
@@ -5379,8 +5068,8 @@
         </p:nvSpPr>
         <p:spPr>
           <a:xfrm>
-            <a:off x="4868552" y="5729518"/>
-            <a:ext cx="322406" cy="408125"/>
+            <a:off x="4852596" y="5640934"/>
+            <a:ext cx="322406" cy="413896"/>
           </a:xfrm>
           <a:prstGeom prst="rect">
             <a:avLst/>
@@ -5398,13 +5087,13 @@
               </a:lnSpc>
             </a:pPr>
             <a:r>
-              <a:rPr lang="en-US" dirty="0">
+              <a:rPr lang="en-US" sz="2000" dirty="0">
                 <a:latin typeface="Arial" panose="020B0604020202020204" pitchFamily="34" charset="0"/>
                 <a:cs typeface="Arial" panose="020B0604020202020204" pitchFamily="34" charset="0"/>
               </a:rPr>
               <a:t>-</a:t>
             </a:r>
-            <a:endParaRPr lang="en-GB" sz="2400" dirty="0">
+            <a:endParaRPr lang="en-GB" sz="2800" dirty="0">
               <a:latin typeface="Arial" panose="020B0604020202020204" pitchFamily="34" charset="0"/>
               <a:cs typeface="Arial" panose="020B0604020202020204" pitchFamily="34" charset="0"/>
             </a:endParaRPr>
@@ -5546,14 +5235,7 @@
                 <a:latin typeface="Arial" panose="020B0604020202020204" pitchFamily="34" charset="0"/>
                 <a:cs typeface="Arial" panose="020B0604020202020204" pitchFamily="34" charset="0"/>
               </a:rPr>
-              <a:t>          </a:t>
-            </a:r>
-            <a:r>
-              <a:rPr lang="en-US" sz="1000" i="1" dirty="0" smtClean="0">
-                <a:latin typeface="Arial" panose="020B0604020202020204" pitchFamily="34" charset="0"/>
-                <a:cs typeface="Arial" panose="020B0604020202020204" pitchFamily="34" charset="0"/>
-              </a:rPr>
-              <a:t>competition/conflict</a:t>
+              <a:t>          competition/conflict</a:t>
             </a:r>
             <a:endParaRPr lang="en-US" sz="1000" i="1" dirty="0">
               <a:latin typeface="Arial" panose="020B0604020202020204" pitchFamily="34" charset="0"/>
@@ -5638,52 +5320,6 @@
       </p:cxnSp>
       <p:sp>
         <p:nvSpPr>
-          <p:cNvPr id="153" name="Rectangle 152">
-            <a:extLst>
-              <a:ext uri="{FF2B5EF4-FFF2-40B4-BE49-F238E27FC236}">
-                <a16:creationId xmlns:a16="http://schemas.microsoft.com/office/drawing/2014/main" id="{F5F49C06-7E04-4FCF-9D02-EF1CBF581FF4}"/>
-              </a:ext>
-            </a:extLst>
-          </p:cNvPr>
-          <p:cNvSpPr/>
-          <p:nvPr/>
-        </p:nvSpPr>
-        <p:spPr>
-          <a:xfrm>
-            <a:off x="753865" y="7595229"/>
-            <a:ext cx="322406" cy="408125"/>
-          </a:xfrm>
-          <a:prstGeom prst="rect">
-            <a:avLst/>
-          </a:prstGeom>
-        </p:spPr>
-        <p:txBody>
-          <a:bodyPr wrap="square">
-            <a:spAutoFit/>
-          </a:bodyPr>
-          <a:lstStyle/>
-          <a:p>
-            <a:pPr>
-              <a:lnSpc>
-                <a:spcPct val="114000"/>
-              </a:lnSpc>
-            </a:pPr>
-            <a:r>
-              <a:rPr lang="en-GB" dirty="0" smtClean="0">
-                <a:latin typeface="Arial" panose="020B0604020202020204" pitchFamily="34" charset="0"/>
-                <a:cs typeface="Arial" panose="020B0604020202020204" pitchFamily="34" charset="0"/>
-              </a:rPr>
-              <a:t>+</a:t>
-            </a:r>
-            <a:endParaRPr lang="en-GB" sz="2400" dirty="0">
-              <a:latin typeface="Arial" panose="020B0604020202020204" pitchFamily="34" charset="0"/>
-              <a:cs typeface="Arial" panose="020B0604020202020204" pitchFamily="34" charset="0"/>
-            </a:endParaRPr>
-          </a:p>
-        </p:txBody>
-      </p:sp>
-      <p:sp>
-        <p:nvSpPr>
           <p:cNvPr id="154" name="Rectangle 153">
             <a:extLst>
               <a:ext uri="{FF2B5EF4-FFF2-40B4-BE49-F238E27FC236}">
@@ -5696,8 +5332,8 @@
         </p:nvSpPr>
         <p:spPr>
           <a:xfrm>
-            <a:off x="752793" y="7730874"/>
-            <a:ext cx="322406" cy="408125"/>
+            <a:off x="792707" y="7648140"/>
+            <a:ext cx="322406" cy="413896"/>
           </a:xfrm>
           <a:prstGeom prst="rect">
             <a:avLst/>
@@ -5715,59 +5351,13 @@
               </a:lnSpc>
             </a:pPr>
             <a:r>
-              <a:rPr lang="en-GB" dirty="0">
+              <a:rPr lang="en-GB" sz="2000" dirty="0">
                 <a:latin typeface="Arial" panose="020B0604020202020204" pitchFamily="34" charset="0"/>
                 <a:cs typeface="Arial" panose="020B0604020202020204" pitchFamily="34" charset="0"/>
               </a:rPr>
               <a:t>+</a:t>
             </a:r>
-            <a:endParaRPr lang="en-GB" sz="2400" dirty="0">
-              <a:latin typeface="Arial" panose="020B0604020202020204" pitchFamily="34" charset="0"/>
-              <a:cs typeface="Arial" panose="020B0604020202020204" pitchFamily="34" charset="0"/>
-            </a:endParaRPr>
-          </a:p>
-        </p:txBody>
-      </p:sp>
-      <p:sp>
-        <p:nvSpPr>
-          <p:cNvPr id="155" name="Rectangle 154">
-            <a:extLst>
-              <a:ext uri="{FF2B5EF4-FFF2-40B4-BE49-F238E27FC236}">
-                <a16:creationId xmlns:a16="http://schemas.microsoft.com/office/drawing/2014/main" id="{F5F49C06-7E04-4FCF-9D02-EF1CBF581FF4}"/>
-              </a:ext>
-            </a:extLst>
-          </p:cNvPr>
-          <p:cNvSpPr/>
-          <p:nvPr/>
-        </p:nvSpPr>
-        <p:spPr>
-          <a:xfrm>
-            <a:off x="4880134" y="7576154"/>
-            <a:ext cx="322406" cy="408125"/>
-          </a:xfrm>
-          <a:prstGeom prst="rect">
-            <a:avLst/>
-          </a:prstGeom>
-        </p:spPr>
-        <p:txBody>
-          <a:bodyPr wrap="square">
-            <a:spAutoFit/>
-          </a:bodyPr>
-          <a:lstStyle/>
-          <a:p>
-            <a:pPr>
-              <a:lnSpc>
-                <a:spcPct val="114000"/>
-              </a:lnSpc>
-            </a:pPr>
-            <a:r>
-              <a:rPr lang="en-US" dirty="0">
-                <a:latin typeface="Arial" panose="020B0604020202020204" pitchFamily="34" charset="0"/>
-                <a:cs typeface="Arial" panose="020B0604020202020204" pitchFamily="34" charset="0"/>
-              </a:rPr>
-              <a:t>-</a:t>
-            </a:r>
-            <a:endParaRPr lang="en-GB" sz="2400" dirty="0">
+            <a:endParaRPr lang="en-GB" sz="2800" dirty="0">
               <a:latin typeface="Arial" panose="020B0604020202020204" pitchFamily="34" charset="0"/>
               <a:cs typeface="Arial" panose="020B0604020202020204" pitchFamily="34" charset="0"/>
             </a:endParaRPr>
@@ -5788,8 +5378,8 @@
         </p:nvSpPr>
         <p:spPr>
           <a:xfrm>
-            <a:off x="4880134" y="7707219"/>
-            <a:ext cx="322406" cy="408125"/>
+            <a:off x="4864178" y="7618635"/>
+            <a:ext cx="322406" cy="413896"/>
           </a:xfrm>
           <a:prstGeom prst="rect">
             <a:avLst/>
@@ -5807,13 +5397,13 @@
               </a:lnSpc>
             </a:pPr>
             <a:r>
-              <a:rPr lang="en-US" dirty="0">
+              <a:rPr lang="en-US" sz="2000" dirty="0">
                 <a:latin typeface="Arial" panose="020B0604020202020204" pitchFamily="34" charset="0"/>
                 <a:cs typeface="Arial" panose="020B0604020202020204" pitchFamily="34" charset="0"/>
               </a:rPr>
               <a:t>-</a:t>
             </a:r>
-            <a:endParaRPr lang="en-GB" sz="2400" dirty="0">
+            <a:endParaRPr lang="en-GB" sz="2800" dirty="0">
               <a:latin typeface="Arial" panose="020B0604020202020204" pitchFamily="34" charset="0"/>
               <a:cs typeface="Arial" panose="020B0604020202020204" pitchFamily="34" charset="0"/>
             </a:endParaRPr>
@@ -5977,52 +5567,6 @@
       </p:cxnSp>
       <p:sp>
         <p:nvSpPr>
-          <p:cNvPr id="161" name="Rectangle 160">
-            <a:extLst>
-              <a:ext uri="{FF2B5EF4-FFF2-40B4-BE49-F238E27FC236}">
-                <a16:creationId xmlns:a16="http://schemas.microsoft.com/office/drawing/2014/main" id="{F5F49C06-7E04-4FCF-9D02-EF1CBF581FF4}"/>
-              </a:ext>
-            </a:extLst>
-          </p:cNvPr>
-          <p:cNvSpPr/>
-          <p:nvPr/>
-        </p:nvSpPr>
-        <p:spPr>
-          <a:xfrm>
-            <a:off x="760755" y="9584549"/>
-            <a:ext cx="322406" cy="408125"/>
-          </a:xfrm>
-          <a:prstGeom prst="rect">
-            <a:avLst/>
-          </a:prstGeom>
-        </p:spPr>
-        <p:txBody>
-          <a:bodyPr wrap="square">
-            <a:spAutoFit/>
-          </a:bodyPr>
-          <a:lstStyle/>
-          <a:p>
-            <a:pPr>
-              <a:lnSpc>
-                <a:spcPct val="114000"/>
-              </a:lnSpc>
-            </a:pPr>
-            <a:r>
-              <a:rPr lang="en-GB" dirty="0" smtClean="0">
-                <a:latin typeface="Arial" panose="020B0604020202020204" pitchFamily="34" charset="0"/>
-                <a:cs typeface="Arial" panose="020B0604020202020204" pitchFamily="34" charset="0"/>
-              </a:rPr>
-              <a:t>+</a:t>
-            </a:r>
-            <a:endParaRPr lang="en-GB" sz="2400" dirty="0">
-              <a:latin typeface="Arial" panose="020B0604020202020204" pitchFamily="34" charset="0"/>
-              <a:cs typeface="Arial" panose="020B0604020202020204" pitchFamily="34" charset="0"/>
-            </a:endParaRPr>
-          </a:p>
-        </p:txBody>
-      </p:sp>
-      <p:sp>
-        <p:nvSpPr>
           <p:cNvPr id="162" name="Rectangle 161">
             <a:extLst>
               <a:ext uri="{FF2B5EF4-FFF2-40B4-BE49-F238E27FC236}">
@@ -6035,8 +5579,8 @@
         </p:nvSpPr>
         <p:spPr>
           <a:xfrm>
-            <a:off x="759683" y="9720194"/>
-            <a:ext cx="322406" cy="408125"/>
+            <a:off x="799597" y="9637460"/>
+            <a:ext cx="322406" cy="413896"/>
           </a:xfrm>
           <a:prstGeom prst="rect">
             <a:avLst/>
@@ -6054,59 +5598,13 @@
               </a:lnSpc>
             </a:pPr>
             <a:r>
-              <a:rPr lang="en-GB" dirty="0">
+              <a:rPr lang="en-GB" sz="2000" dirty="0">
                 <a:latin typeface="Arial" panose="020B0604020202020204" pitchFamily="34" charset="0"/>
                 <a:cs typeface="Arial" panose="020B0604020202020204" pitchFamily="34" charset="0"/>
               </a:rPr>
               <a:t>+</a:t>
             </a:r>
-            <a:endParaRPr lang="en-GB" sz="2400" dirty="0">
-              <a:latin typeface="Arial" panose="020B0604020202020204" pitchFamily="34" charset="0"/>
-              <a:cs typeface="Arial" panose="020B0604020202020204" pitchFamily="34" charset="0"/>
-            </a:endParaRPr>
-          </a:p>
-        </p:txBody>
-      </p:sp>
-      <p:sp>
-        <p:nvSpPr>
-          <p:cNvPr id="163" name="Rectangle 162">
-            <a:extLst>
-              <a:ext uri="{FF2B5EF4-FFF2-40B4-BE49-F238E27FC236}">
-                <a16:creationId xmlns:a16="http://schemas.microsoft.com/office/drawing/2014/main" id="{F5F49C06-7E04-4FCF-9D02-EF1CBF581FF4}"/>
-              </a:ext>
-            </a:extLst>
-          </p:cNvPr>
-          <p:cNvSpPr/>
-          <p:nvPr/>
-        </p:nvSpPr>
-        <p:spPr>
-          <a:xfrm>
-            <a:off x="4887024" y="9565474"/>
-            <a:ext cx="322406" cy="408125"/>
-          </a:xfrm>
-          <a:prstGeom prst="rect">
-            <a:avLst/>
-          </a:prstGeom>
-        </p:spPr>
-        <p:txBody>
-          <a:bodyPr wrap="square">
-            <a:spAutoFit/>
-          </a:bodyPr>
-          <a:lstStyle/>
-          <a:p>
-            <a:pPr>
-              <a:lnSpc>
-                <a:spcPct val="114000"/>
-              </a:lnSpc>
-            </a:pPr>
-            <a:r>
-              <a:rPr lang="en-US" dirty="0">
-                <a:latin typeface="Arial" panose="020B0604020202020204" pitchFamily="34" charset="0"/>
-                <a:cs typeface="Arial" panose="020B0604020202020204" pitchFamily="34" charset="0"/>
-              </a:rPr>
-              <a:t>-</a:t>
-            </a:r>
-            <a:endParaRPr lang="en-GB" sz="2400" dirty="0">
+            <a:endParaRPr lang="en-GB" sz="2800" dirty="0">
               <a:latin typeface="Arial" panose="020B0604020202020204" pitchFamily="34" charset="0"/>
               <a:cs typeface="Arial" panose="020B0604020202020204" pitchFamily="34" charset="0"/>
             </a:endParaRPr>
@@ -6127,8 +5625,8 @@
         </p:nvSpPr>
         <p:spPr>
           <a:xfrm>
-            <a:off x="4887024" y="9696539"/>
-            <a:ext cx="322406" cy="408125"/>
+            <a:off x="4871068" y="9607955"/>
+            <a:ext cx="322406" cy="413896"/>
           </a:xfrm>
           <a:prstGeom prst="rect">
             <a:avLst/>
@@ -6146,13 +5644,13 @@
               </a:lnSpc>
             </a:pPr>
             <a:r>
-              <a:rPr lang="en-US" dirty="0">
+              <a:rPr lang="en-US" sz="2000" dirty="0">
                 <a:latin typeface="Arial" panose="020B0604020202020204" pitchFamily="34" charset="0"/>
                 <a:cs typeface="Arial" panose="020B0604020202020204" pitchFamily="34" charset="0"/>
               </a:rPr>
               <a:t>-</a:t>
             </a:r>
-            <a:endParaRPr lang="en-GB" sz="2400" dirty="0">
+            <a:endParaRPr lang="en-GB" sz="2800" dirty="0">
               <a:latin typeface="Arial" panose="020B0604020202020204" pitchFamily="34" charset="0"/>
               <a:cs typeface="Arial" panose="020B0604020202020204" pitchFamily="34" charset="0"/>
             </a:endParaRPr>
@@ -6220,14 +5718,7 @@
                 <a:latin typeface="Arial" panose="020B0604020202020204" pitchFamily="34" charset="0"/>
                 <a:cs typeface="Arial" panose="020B0604020202020204" pitchFamily="34" charset="0"/>
               </a:rPr>
-              <a:t>		          </a:t>
-            </a:r>
-            <a:r>
-              <a:rPr lang="en-US" sz="1000" i="1" dirty="0" smtClean="0">
-                <a:latin typeface="Arial" panose="020B0604020202020204" pitchFamily="34" charset="0"/>
-                <a:cs typeface="Arial" panose="020B0604020202020204" pitchFamily="34" charset="0"/>
-              </a:rPr>
-              <a:t>competition/conflict</a:t>
+              <a:t>		          competition/conflict</a:t>
             </a:r>
             <a:endParaRPr lang="en-US" sz="1000" i="1" dirty="0">
               <a:latin typeface="Arial" panose="020B0604020202020204" pitchFamily="34" charset="0"/>
